--- a/1-2마스터포멧_SVM.pptx
+++ b/1-2마스터포멧_SVM.pptx
@@ -1091,63 +1091,6 @@
         </a:p>
       </dgm:t>
     </dgm:pt>
-    <dgm:pt modelId="{56342350-9DDA-4815-B241-ABE088C4DD33}">
-      <dgm:prSet phldrT="[텍스트]" custT="1"/>
-      <dgm:spPr>
-        <a:solidFill>
-          <a:srgbClr val="808080"/>
-        </a:solidFill>
-      </dgm:spPr>
-      <dgm:t>
-        <a:bodyPr/>
-        <a:lstStyle/>
-        <a:p>
-          <a:pPr latinLnBrk="1"/>
-          <a:r>
-            <a:rPr lang="ko-KR" altLang="en-US" sz="1200" dirty="0" err="1" smtClean="0">
-              <a:latin typeface="나눔명조" panose="02020603020101020101" charset="-127"/>
-              <a:ea typeface="나눔명조" panose="02020603020101020101" charset="-127"/>
-            </a:rPr>
-            <a:t>마스터포맷</a:t>
-          </a:r>
-          <a:r>
-            <a:rPr lang="ko-KR" altLang="en-US" sz="1200" dirty="0" smtClean="0">
-              <a:latin typeface="나눔명조" panose="02020603020101020101" charset="-127"/>
-              <a:ea typeface="나눔명조" panose="02020603020101020101" charset="-127"/>
-            </a:rPr>
-            <a:t> 구축</a:t>
-          </a:r>
-          <a:endParaRPr lang="ko-KR" altLang="en-US" sz="1200" dirty="0">
-            <a:latin typeface="나눔명조" panose="02020603020101020101" charset="-127"/>
-            <a:ea typeface="나눔명조" panose="02020603020101020101" charset="-127"/>
-          </a:endParaRPr>
-        </a:p>
-      </dgm:t>
-    </dgm:pt>
-    <dgm:pt modelId="{BBEE49BC-BD92-4A10-8066-D38BE631CC87}" type="parTrans" cxnId="{665628F4-4A93-49E0-AB8D-8789458CB895}">
-      <dgm:prSet/>
-      <dgm:spPr/>
-      <dgm:t>
-        <a:bodyPr/>
-        <a:lstStyle/>
-        <a:p>
-          <a:pPr latinLnBrk="1"/>
-          <a:endParaRPr lang="ko-KR" altLang="en-US"/>
-        </a:p>
-      </dgm:t>
-    </dgm:pt>
-    <dgm:pt modelId="{9E15AE78-B373-449E-AC2F-5E4DAE58E021}" type="sibTrans" cxnId="{665628F4-4A93-49E0-AB8D-8789458CB895}">
-      <dgm:prSet/>
-      <dgm:spPr/>
-      <dgm:t>
-        <a:bodyPr/>
-        <a:lstStyle/>
-        <a:p>
-          <a:pPr latinLnBrk="1"/>
-          <a:endParaRPr lang="ko-KR" altLang="en-US"/>
-        </a:p>
-      </dgm:t>
-    </dgm:pt>
     <dgm:pt modelId="{6C6EAE9D-AD65-4DC6-ABEC-BAB69032C1B5}">
       <dgm:prSet phldrT="[텍스트]" custT="1"/>
       <dgm:spPr>
@@ -1211,25 +1154,11 @@
         <a:p>
           <a:pPr latinLnBrk="1"/>
           <a:r>
-            <a:rPr lang="en-US" altLang="ko-KR" sz="1200" dirty="0" err="1" smtClean="0">
-              <a:latin typeface="나눔명조" panose="02020603020101020101" charset="-127"/>
-              <a:ea typeface="나눔명조" panose="02020603020101020101" charset="-127"/>
-            </a:rPr>
-            <a:t>LibSVM</a:t>
-          </a:r>
-          <a:r>
             <a:rPr lang="en-US" altLang="ko-KR" sz="1200" dirty="0" smtClean="0">
               <a:latin typeface="나눔명조" panose="02020603020101020101" charset="-127"/>
               <a:ea typeface="나눔명조" panose="02020603020101020101" charset="-127"/>
             </a:rPr>
-            <a:t> format </a:t>
-          </a:r>
-          <a:r>
-            <a:rPr lang="ko-KR" altLang="en-US" sz="1200" dirty="0" smtClean="0">
-              <a:latin typeface="나눔명조" panose="02020603020101020101" charset="-127"/>
-              <a:ea typeface="나눔명조" panose="02020603020101020101" charset="-127"/>
-            </a:rPr>
-            <a:t>구축</a:t>
+            <a:t>TF-IDF</a:t>
           </a:r>
           <a:endParaRPr lang="ko-KR" altLang="en-US" sz="1200" dirty="0">
             <a:latin typeface="나눔명조" panose="02020603020101020101" charset="-127"/>
@@ -1288,7 +1217,7 @@
         </a:p>
       </dgm:t>
     </dgm:pt>
-    <dgm:pt modelId="{5489453A-48E8-40CF-A48E-91BC4DDBEC63}" type="parTrans" cxnId="{758FE252-015A-426D-AF3D-E74C3F2BF161}">
+    <dgm:pt modelId="{F5E2C6A8-7E78-4A36-98FF-65D4182B7044}" type="sibTrans" cxnId="{758FE252-015A-426D-AF3D-E74C3F2BF161}">
       <dgm:prSet/>
       <dgm:spPr/>
       <dgm:t>
@@ -1300,7 +1229,7 @@
         </a:p>
       </dgm:t>
     </dgm:pt>
-    <dgm:pt modelId="{F5E2C6A8-7E78-4A36-98FF-65D4182B7044}" type="sibTrans" cxnId="{758FE252-015A-426D-AF3D-E74C3F2BF161}">
+    <dgm:pt modelId="{5489453A-48E8-40CF-A48E-91BC4DDBEC63}" type="parTrans" cxnId="{758FE252-015A-426D-AF3D-E74C3F2BF161}">
       <dgm:prSet/>
       <dgm:spPr/>
       <dgm:t>
@@ -1325,16 +1254,42 @@
         <a:p>
           <a:pPr latinLnBrk="1"/>
           <a:r>
+            <a:rPr lang="en-US" altLang="ko-KR" sz="1200" dirty="0" err="1" smtClean="0">
+              <a:latin typeface="나눔명조" panose="02020603020101020101" charset="-127"/>
+              <a:ea typeface="나눔명조" panose="02020603020101020101" charset="-127"/>
+            </a:rPr>
+            <a:t>LibSVM</a:t>
+          </a:r>
+          <a:r>
+            <a:rPr lang="en-US" altLang="ko-KR" sz="1200" dirty="0" smtClean="0">
+              <a:latin typeface="나눔명조" panose="02020603020101020101" charset="-127"/>
+              <a:ea typeface="나눔명조" panose="02020603020101020101" charset="-127"/>
+            </a:rPr>
+            <a:t> format </a:t>
+          </a:r>
+          <a:r>
             <a:rPr lang="ko-KR" altLang="en-US" sz="1200" dirty="0" smtClean="0">
               <a:latin typeface="나눔명조" panose="02020603020101020101" charset="-127"/>
               <a:ea typeface="나눔명조" panose="02020603020101020101" charset="-127"/>
             </a:rPr>
-            <a:t>사후평가</a:t>
+            <a:t>구축</a:t>
           </a:r>
           <a:endParaRPr lang="ko-KR" altLang="en-US" sz="1200" dirty="0">
             <a:latin typeface="나눔명조" panose="02020603020101020101" charset="-127"/>
             <a:ea typeface="나눔명조" panose="02020603020101020101" charset="-127"/>
           </a:endParaRPr>
+        </a:p>
+      </dgm:t>
+    </dgm:pt>
+    <dgm:pt modelId="{980E41EA-4669-4CE9-83C8-638C3198634A}" type="sibTrans" cxnId="{6632A5EA-1552-4747-873C-4D3901E1D266}">
+      <dgm:prSet/>
+      <dgm:spPr/>
+      <dgm:t>
+        <a:bodyPr/>
+        <a:lstStyle/>
+        <a:p>
+          <a:pPr latinLnBrk="1"/>
+          <a:endParaRPr lang="ko-KR" altLang="en-US"/>
         </a:p>
       </dgm:t>
     </dgm:pt>
@@ -1350,7 +1305,45 @@
         </a:p>
       </dgm:t>
     </dgm:pt>
-    <dgm:pt modelId="{980E41EA-4669-4CE9-83C8-638C3198634A}" type="sibTrans" cxnId="{6632A5EA-1552-4747-873C-4D3901E1D266}">
+    <dgm:pt modelId="{56342350-9DDA-4815-B241-ABE088C4DD33}">
+      <dgm:prSet phldrT="[텍스트]" custT="1"/>
+      <dgm:spPr>
+        <a:solidFill>
+          <a:srgbClr val="808080"/>
+        </a:solidFill>
+      </dgm:spPr>
+      <dgm:t>
+        <a:bodyPr/>
+        <a:lstStyle/>
+        <a:p>
+          <a:pPr latinLnBrk="1"/>
+          <a:r>
+            <a:rPr lang="en-US" altLang="ko-KR" sz="1200" dirty="0" smtClean="0">
+              <a:latin typeface="나눔명조" panose="02020603020101020101" charset="-127"/>
+              <a:ea typeface="나눔명조" panose="02020603020101020101" charset="-127"/>
+            </a:rPr>
+            <a:t>TF</a:t>
+          </a:r>
+          <a:endParaRPr lang="ko-KR" altLang="en-US" sz="1200" dirty="0">
+            <a:latin typeface="나눔명조" panose="02020603020101020101" charset="-127"/>
+            <a:ea typeface="나눔명조" panose="02020603020101020101" charset="-127"/>
+          </a:endParaRPr>
+        </a:p>
+      </dgm:t>
+    </dgm:pt>
+    <dgm:pt modelId="{9E15AE78-B373-449E-AC2F-5E4DAE58E021}" type="sibTrans" cxnId="{665628F4-4A93-49E0-AB8D-8789458CB895}">
+      <dgm:prSet/>
+      <dgm:spPr/>
+      <dgm:t>
+        <a:bodyPr/>
+        <a:lstStyle/>
+        <a:p>
+          <a:pPr latinLnBrk="1"/>
+          <a:endParaRPr lang="ko-KR" altLang="en-US"/>
+        </a:p>
+      </dgm:t>
+    </dgm:pt>
+    <dgm:pt modelId="{BBEE49BC-BD92-4A10-8066-D38BE631CC87}" type="parTrans" cxnId="{665628F4-4A93-49E0-AB8D-8789458CB895}">
       <dgm:prSet/>
       <dgm:spPr/>
       <dgm:t>
@@ -1420,7 +1413,7 @@
       <dgm:spPr/>
     </dgm:pt>
     <dgm:pt modelId="{0BEA1B04-1277-4718-81DD-B6F4711FE1EF}" type="pres">
-      <dgm:prSet presAssocID="{C5B35E2A-6941-4951-97FA-C1A83300ADA9}" presName="node" presStyleLbl="node1" presStyleIdx="2" presStyleCnt="3">
+      <dgm:prSet presAssocID="{C5B35E2A-6941-4951-97FA-C1A83300ADA9}" presName="node" presStyleLbl="node1" presStyleIdx="2" presStyleCnt="3" custLinFactNeighborX="2063" custLinFactNeighborY="0">
         <dgm:presLayoutVars>
           <dgm:bulletEnabled val="1"/>
         </dgm:presLayoutVars>
@@ -1437,19 +1430,19 @@
     </dgm:pt>
   </dgm:ptLst>
   <dgm:cxnLst>
+    <dgm:cxn modelId="{665628F4-4A93-49E0-AB8D-8789458CB895}" srcId="{759055F5-2527-4B50-BFE8-90D309F73EDA}" destId="{56342350-9DDA-4815-B241-ABE088C4DD33}" srcOrd="0" destOrd="0" parTransId="{BBEE49BC-BD92-4A10-8066-D38BE631CC87}" sibTransId="{9E15AE78-B373-449E-AC2F-5E4DAE58E021}"/>
+    <dgm:cxn modelId="{758FE252-015A-426D-AF3D-E74C3F2BF161}" srcId="{E72BB405-1534-4333-8AE7-BC60F43ED8C5}" destId="{C5B35E2A-6941-4951-97FA-C1A83300ADA9}" srcOrd="2" destOrd="0" parTransId="{5489453A-48E8-40CF-A48E-91BC4DDBEC63}" sibTransId="{F5E2C6A8-7E78-4A36-98FF-65D4182B7044}"/>
     <dgm:cxn modelId="{D7259617-9886-49DB-B058-23B3EE867BD1}" type="presOf" srcId="{E72BB405-1534-4333-8AE7-BC60F43ED8C5}" destId="{1661E62E-6BBA-4C74-A421-0E514286E236}" srcOrd="0" destOrd="0" presId="urn:microsoft.com/office/officeart/2005/8/layout/hList6"/>
+    <dgm:cxn modelId="{6632A5EA-1552-4747-873C-4D3901E1D266}" srcId="{C5B35E2A-6941-4951-97FA-C1A83300ADA9}" destId="{C7B712C9-98E5-40A8-AB19-627ED3645B9B}" srcOrd="0" destOrd="0" parTransId="{4BC78371-DA7D-432B-9DA7-CF87A0B6CE3D}" sibTransId="{980E41EA-4669-4CE9-83C8-638C3198634A}"/>
+    <dgm:cxn modelId="{4E872541-93A3-402F-B84D-53E375B98429}" type="presOf" srcId="{6C6EAE9D-AD65-4DC6-ABEC-BAB69032C1B5}" destId="{B4B5232C-7F35-4CF2-9982-6549EC431A5D}" srcOrd="0" destOrd="0" presId="urn:microsoft.com/office/officeart/2005/8/layout/hList6"/>
+    <dgm:cxn modelId="{D1DFE788-646E-49E5-BD5B-2FE5F0665FAE}" type="presOf" srcId="{759055F5-2527-4B50-BFE8-90D309F73EDA}" destId="{9B4F8533-84FD-4BBE-A670-DD07AB546F88}" srcOrd="0" destOrd="0" presId="urn:microsoft.com/office/officeart/2005/8/layout/hList6"/>
+    <dgm:cxn modelId="{53740EDB-CD75-49D4-865E-8584F6CCCED3}" type="presOf" srcId="{56342350-9DDA-4815-B241-ABE088C4DD33}" destId="{9B4F8533-84FD-4BBE-A670-DD07AB546F88}" srcOrd="0" destOrd="1" presId="urn:microsoft.com/office/officeart/2005/8/layout/hList6"/>
+    <dgm:cxn modelId="{8EC99ED7-6992-4930-93BD-367A0F5C7886}" type="presOf" srcId="{C5B35E2A-6941-4951-97FA-C1A83300ADA9}" destId="{0BEA1B04-1277-4718-81DD-B6F4711FE1EF}" srcOrd="0" destOrd="0" presId="urn:microsoft.com/office/officeart/2005/8/layout/hList6"/>
+    <dgm:cxn modelId="{F4D3B152-043B-4156-B39B-24D0E34BFAC7}" srcId="{E72BB405-1534-4333-8AE7-BC60F43ED8C5}" destId="{759055F5-2527-4B50-BFE8-90D309F73EDA}" srcOrd="0" destOrd="0" parTransId="{A19F2D5C-409E-463D-9D89-60E61BA93F9F}" sibTransId="{7494E669-4B00-4402-855C-964D47876348}"/>
     <dgm:cxn modelId="{3934D069-1661-4848-B896-3F3B46F3B321}" type="presOf" srcId="{AB5D359A-BDFD-4FEC-AB31-BB6696A6E23D}" destId="{B4B5232C-7F35-4CF2-9982-6549EC431A5D}" srcOrd="0" destOrd="1" presId="urn:microsoft.com/office/officeart/2005/8/layout/hList6"/>
+    <dgm:cxn modelId="{E692DA2C-C589-45C0-8B33-5AF79AF9BF1D}" type="presOf" srcId="{C7B712C9-98E5-40A8-AB19-627ED3645B9B}" destId="{0BEA1B04-1277-4718-81DD-B6F4711FE1EF}" srcOrd="0" destOrd="1" presId="urn:microsoft.com/office/officeart/2005/8/layout/hList6"/>
+    <dgm:cxn modelId="{31F2A975-B1C8-4C52-8CA5-1AF3B530512E}" srcId="{E72BB405-1534-4333-8AE7-BC60F43ED8C5}" destId="{6C6EAE9D-AD65-4DC6-ABEC-BAB69032C1B5}" srcOrd="1" destOrd="0" parTransId="{7B03928E-CFCC-4F48-9FDD-1C5493A48EFE}" sibTransId="{1A4AB7A7-5468-466A-81ED-619EFA84EAB2}"/>
     <dgm:cxn modelId="{093EBED7-EDE7-4E8A-8E66-773C38ABAC04}" srcId="{6C6EAE9D-AD65-4DC6-ABEC-BAB69032C1B5}" destId="{AB5D359A-BDFD-4FEC-AB31-BB6696A6E23D}" srcOrd="0" destOrd="0" parTransId="{1476B233-E723-41A5-AAE6-CDEAAFB6EAD4}" sibTransId="{16013A59-6D38-4BC5-AD56-79E217A38821}"/>
-    <dgm:cxn modelId="{31F2A975-B1C8-4C52-8CA5-1AF3B530512E}" srcId="{E72BB405-1534-4333-8AE7-BC60F43ED8C5}" destId="{6C6EAE9D-AD65-4DC6-ABEC-BAB69032C1B5}" srcOrd="1" destOrd="0" parTransId="{7B03928E-CFCC-4F48-9FDD-1C5493A48EFE}" sibTransId="{1A4AB7A7-5468-466A-81ED-619EFA84EAB2}"/>
-    <dgm:cxn modelId="{D1DFE788-646E-49E5-BD5B-2FE5F0665FAE}" type="presOf" srcId="{759055F5-2527-4B50-BFE8-90D309F73EDA}" destId="{9B4F8533-84FD-4BBE-A670-DD07AB546F88}" srcOrd="0" destOrd="0" presId="urn:microsoft.com/office/officeart/2005/8/layout/hList6"/>
-    <dgm:cxn modelId="{6632A5EA-1552-4747-873C-4D3901E1D266}" srcId="{C5B35E2A-6941-4951-97FA-C1A83300ADA9}" destId="{C7B712C9-98E5-40A8-AB19-627ED3645B9B}" srcOrd="0" destOrd="0" parTransId="{4BC78371-DA7D-432B-9DA7-CF87A0B6CE3D}" sibTransId="{980E41EA-4669-4CE9-83C8-638C3198634A}"/>
-    <dgm:cxn modelId="{E692DA2C-C589-45C0-8B33-5AF79AF9BF1D}" type="presOf" srcId="{C7B712C9-98E5-40A8-AB19-627ED3645B9B}" destId="{0BEA1B04-1277-4718-81DD-B6F4711FE1EF}" srcOrd="0" destOrd="1" presId="urn:microsoft.com/office/officeart/2005/8/layout/hList6"/>
-    <dgm:cxn modelId="{53740EDB-CD75-49D4-865E-8584F6CCCED3}" type="presOf" srcId="{56342350-9DDA-4815-B241-ABE088C4DD33}" destId="{9B4F8533-84FD-4BBE-A670-DD07AB546F88}" srcOrd="0" destOrd="1" presId="urn:microsoft.com/office/officeart/2005/8/layout/hList6"/>
-    <dgm:cxn modelId="{665628F4-4A93-49E0-AB8D-8789458CB895}" srcId="{759055F5-2527-4B50-BFE8-90D309F73EDA}" destId="{56342350-9DDA-4815-B241-ABE088C4DD33}" srcOrd="0" destOrd="0" parTransId="{BBEE49BC-BD92-4A10-8066-D38BE631CC87}" sibTransId="{9E15AE78-B373-449E-AC2F-5E4DAE58E021}"/>
-    <dgm:cxn modelId="{4E872541-93A3-402F-B84D-53E375B98429}" type="presOf" srcId="{6C6EAE9D-AD65-4DC6-ABEC-BAB69032C1B5}" destId="{B4B5232C-7F35-4CF2-9982-6549EC431A5D}" srcOrd="0" destOrd="0" presId="urn:microsoft.com/office/officeart/2005/8/layout/hList6"/>
-    <dgm:cxn modelId="{F4D3B152-043B-4156-B39B-24D0E34BFAC7}" srcId="{E72BB405-1534-4333-8AE7-BC60F43ED8C5}" destId="{759055F5-2527-4B50-BFE8-90D309F73EDA}" srcOrd="0" destOrd="0" parTransId="{A19F2D5C-409E-463D-9D89-60E61BA93F9F}" sibTransId="{7494E669-4B00-4402-855C-964D47876348}"/>
-    <dgm:cxn modelId="{8EC99ED7-6992-4930-93BD-367A0F5C7886}" type="presOf" srcId="{C5B35E2A-6941-4951-97FA-C1A83300ADA9}" destId="{0BEA1B04-1277-4718-81DD-B6F4711FE1EF}" srcOrd="0" destOrd="0" presId="urn:microsoft.com/office/officeart/2005/8/layout/hList6"/>
-    <dgm:cxn modelId="{758FE252-015A-426D-AF3D-E74C3F2BF161}" srcId="{E72BB405-1534-4333-8AE7-BC60F43ED8C5}" destId="{C5B35E2A-6941-4951-97FA-C1A83300ADA9}" srcOrd="2" destOrd="0" parTransId="{5489453A-48E8-40CF-A48E-91BC4DDBEC63}" sibTransId="{F5E2C6A8-7E78-4A36-98FF-65D4182B7044}"/>
     <dgm:cxn modelId="{01B3C4F2-190D-4781-9E8D-B4FE2C9A738C}" type="presParOf" srcId="{1661E62E-6BBA-4C74-A421-0E514286E236}" destId="{9B4F8533-84FD-4BBE-A670-DD07AB546F88}" srcOrd="0" destOrd="0" presId="urn:microsoft.com/office/officeart/2005/8/layout/hList6"/>
     <dgm:cxn modelId="{87F97849-8A65-450D-B639-3F651EBB26FE}" type="presParOf" srcId="{1661E62E-6BBA-4C74-A421-0E514286E236}" destId="{7F78794D-437C-4B73-B068-493C2F3417CE}" srcOrd="1" destOrd="0" presId="urn:microsoft.com/office/officeart/2005/8/layout/hList6"/>
     <dgm:cxn modelId="{B2EEC19E-0199-47F4-A8EC-0F0F392C13F5}" type="presParOf" srcId="{1661E62E-6BBA-4C74-A421-0E514286E236}" destId="{B4B5232C-7F35-4CF2-9982-6549EC431A5D}" srcOrd="2" destOrd="0" presId="urn:microsoft.com/office/officeart/2005/8/layout/hList6"/>
@@ -1560,18 +1553,11 @@
             <a:buChar char="••"/>
           </a:pPr>
           <a:r>
-            <a:rPr lang="ko-KR" altLang="en-US" sz="1200" kern="1200" dirty="0" err="1" smtClean="0">
+            <a:rPr lang="en-US" altLang="ko-KR" sz="1200" kern="1200" dirty="0" smtClean="0">
               <a:latin typeface="나눔명조" panose="02020603020101020101" charset="-127"/>
               <a:ea typeface="나눔명조" panose="02020603020101020101" charset="-127"/>
             </a:rPr>
-            <a:t>마스터포맷</a:t>
-          </a:r>
-          <a:r>
-            <a:rPr lang="ko-KR" altLang="en-US" sz="1200" kern="1200" dirty="0" smtClean="0">
-              <a:latin typeface="나눔명조" panose="02020603020101020101" charset="-127"/>
-              <a:ea typeface="나눔명조" panose="02020603020101020101" charset="-127"/>
-            </a:rPr>
-            <a:t> 구축</a:t>
+            <a:t>TF</a:t>
           </a:r>
           <a:endParaRPr lang="ko-KR" altLang="en-US" sz="1200" kern="1200" dirty="0">
             <a:latin typeface="나눔명조" panose="02020603020101020101" charset="-127"/>
@@ -1670,25 +1656,11 @@
             <a:buChar char="••"/>
           </a:pPr>
           <a:r>
-            <a:rPr lang="en-US" altLang="ko-KR" sz="1200" kern="1200" dirty="0" err="1" smtClean="0">
-              <a:latin typeface="나눔명조" panose="02020603020101020101" charset="-127"/>
-              <a:ea typeface="나눔명조" panose="02020603020101020101" charset="-127"/>
-            </a:rPr>
-            <a:t>LibSVM</a:t>
-          </a:r>
-          <a:r>
             <a:rPr lang="en-US" altLang="ko-KR" sz="1200" kern="1200" dirty="0" smtClean="0">
               <a:latin typeface="나눔명조" panose="02020603020101020101" charset="-127"/>
               <a:ea typeface="나눔명조" panose="02020603020101020101" charset="-127"/>
             </a:rPr>
-            <a:t> format </a:t>
-          </a:r>
-          <a:r>
-            <a:rPr lang="ko-KR" altLang="en-US" sz="1200" kern="1200" dirty="0" smtClean="0">
-              <a:latin typeface="나눔명조" panose="02020603020101020101" charset="-127"/>
-              <a:ea typeface="나눔명조" panose="02020603020101020101" charset="-127"/>
-            </a:rPr>
-            <a:t>구축</a:t>
+            <a:t>TF-IDF</a:t>
           </a:r>
           <a:endParaRPr lang="ko-KR" altLang="en-US" sz="1200" kern="1200" dirty="0">
             <a:latin typeface="나눔명조" panose="02020603020101020101" charset="-127"/>
@@ -1708,7 +1680,7 @@
       </dsp:nvSpPr>
       <dsp:spPr>
         <a:xfrm rot="16200000">
-          <a:off x="4952469" y="240578"/>
+          <a:off x="4953398" y="240578"/>
           <a:ext cx="2896096" cy="2414939"/>
         </a:xfrm>
         <a:prstGeom prst="flowChartManualOperation">
@@ -1787,11 +1759,25 @@
             <a:buChar char="••"/>
           </a:pPr>
           <a:r>
+            <a:rPr lang="en-US" altLang="ko-KR" sz="1200" kern="1200" dirty="0" err="1" smtClean="0">
+              <a:latin typeface="나눔명조" panose="02020603020101020101" charset="-127"/>
+              <a:ea typeface="나눔명조" panose="02020603020101020101" charset="-127"/>
+            </a:rPr>
+            <a:t>LibSVM</a:t>
+          </a:r>
+          <a:r>
+            <a:rPr lang="en-US" altLang="ko-KR" sz="1200" kern="1200" dirty="0" smtClean="0">
+              <a:latin typeface="나눔명조" panose="02020603020101020101" charset="-127"/>
+              <a:ea typeface="나눔명조" panose="02020603020101020101" charset="-127"/>
+            </a:rPr>
+            <a:t> format </a:t>
+          </a:r>
+          <a:r>
             <a:rPr lang="ko-KR" altLang="en-US" sz="1200" kern="1200" dirty="0" smtClean="0">
               <a:latin typeface="나눔명조" panose="02020603020101020101" charset="-127"/>
               <a:ea typeface="나눔명조" panose="02020603020101020101" charset="-127"/>
             </a:rPr>
-            <a:t>사후평가</a:t>
+            <a:t>구축</a:t>
           </a:r>
           <a:endParaRPr lang="ko-KR" altLang="en-US" sz="1200" kern="1200" dirty="0">
             <a:latin typeface="나눔명조" panose="02020603020101020101" charset="-127"/>
@@ -1800,7 +1786,7 @@
         </a:p>
       </dsp:txBody>
       <dsp:txXfrm rot="5400000">
-        <a:off x="5193048" y="579218"/>
+        <a:off x="5193977" y="579218"/>
         <a:ext cx="2414939" cy="1737658"/>
       </dsp:txXfrm>
     </dsp:sp>
@@ -6614,7 +6600,7 @@
           <p:nvPr>
             <p:extLst>
               <p:ext uri="{D42A27DB-BD31-4B8C-83A1-F6EECF244321}">
-                <p14:modId xmlns:p14="http://schemas.microsoft.com/office/powerpoint/2010/main" val="1345927683"/>
+                <p14:modId xmlns:p14="http://schemas.microsoft.com/office/powerpoint/2010/main" val="2786288983"/>
               </p:ext>
             </p:extLst>
           </p:nvPr>
@@ -6664,7 +6650,7 @@
                 <a:latin typeface="나눔명조" panose="02020603020101020101" charset="-127"/>
                 <a:ea typeface="나눔명조" panose="02020603020101020101" charset="-127"/>
               </a:rPr>
-              <a:t>TF / TF-IDF</a:t>
+              <a:t>TF format</a:t>
             </a:r>
             <a:endParaRPr lang="ko-KR" altLang="en-US" sz="1100" dirty="0">
               <a:latin typeface="나눔명조" panose="02020603020101020101" charset="-127"/>
@@ -6704,18 +6690,11 @@
           <a:p>
             <a:pPr lvl="0" algn="ctr"/>
             <a:r>
-              <a:rPr lang="en-US" altLang="ko-KR" sz="1100" dirty="0" err="1" smtClean="0">
+              <a:rPr lang="en-US" altLang="ko-KR" sz="1100" dirty="0" smtClean="0">
                 <a:latin typeface="나눔명조" panose="02020603020101020101" charset="-127"/>
                 <a:ea typeface="나눔명조" panose="02020603020101020101" charset="-127"/>
               </a:rPr>
-              <a:t>Lib</a:t>
-            </a:r>
-            <a:r>
-              <a:rPr lang="en-US" altLang="ko-KR" sz="1100" dirty="0" err="1" smtClean="0">
-                <a:latin typeface="나눔명조" panose="02020603020101020101" charset="-127"/>
-                <a:ea typeface="나눔명조" panose="02020603020101020101" charset="-127"/>
-              </a:rPr>
-              <a:t>SVM</a:t>
+              <a:t>TF-IDF format</a:t>
             </a:r>
             <a:endParaRPr lang="ko-KR" altLang="en-US" sz="1100" dirty="0">
               <a:latin typeface="나눔명조" panose="02020603020101020101" charset="-127"/>
@@ -6755,11 +6734,18 @@
           <a:p>
             <a:pPr lvl="0" algn="ctr"/>
             <a:r>
-              <a:rPr lang="ko-KR" altLang="en-US" sz="1100" dirty="0" smtClean="0">
+              <a:rPr lang="en-US" altLang="ko-KR" sz="1100" dirty="0" err="1">
                 <a:latin typeface="나눔명조" panose="02020603020101020101" charset="-127"/>
                 <a:ea typeface="나눔명조" panose="02020603020101020101" charset="-127"/>
               </a:rPr>
-              <a:t>결론</a:t>
+              <a:t>LibSVM</a:t>
+            </a:r>
+            <a:r>
+              <a:rPr lang="en-US" altLang="ko-KR" sz="1100" dirty="0">
+                <a:latin typeface="나눔명조" panose="02020603020101020101" charset="-127"/>
+                <a:ea typeface="나눔명조" panose="02020603020101020101" charset="-127"/>
+              </a:rPr>
+              <a:t> format</a:t>
             </a:r>
             <a:endParaRPr lang="ko-KR" altLang="en-US" sz="1100" dirty="0">
               <a:latin typeface="나눔명조" panose="02020603020101020101" charset="-127"/>
@@ -7067,25 +7053,11 @@
           <a:p>
             <a:pPr lvl="0"/>
             <a:r>
-              <a:rPr lang="ko-KR" altLang="en-US" dirty="0" err="1" smtClean="0">
+              <a:rPr lang="en-US" altLang="ko-KR" dirty="0" smtClean="0">
                 <a:latin typeface="나눔명조" panose="02020603020101020101" charset="-127"/>
                 <a:ea typeface="나눔명조" panose="02020603020101020101" charset="-127"/>
               </a:rPr>
-              <a:t>마스터포</a:t>
-            </a:r>
-            <a:r>
-              <a:rPr lang="ko-KR" altLang="en-US" dirty="0" err="1">
-                <a:latin typeface="나눔명조" panose="02020603020101020101" charset="-127"/>
-                <a:ea typeface="나눔명조" panose="02020603020101020101" charset="-127"/>
-              </a:rPr>
-              <a:t>맷</a:t>
-            </a:r>
-            <a:r>
-              <a:rPr lang="ko-KR" altLang="en-US" dirty="0" smtClean="0">
-                <a:latin typeface="나눔명조" panose="02020603020101020101" charset="-127"/>
-                <a:ea typeface="나눔명조" panose="02020603020101020101" charset="-127"/>
-              </a:rPr>
-              <a:t> 구축</a:t>
+              <a:t>TF</a:t>
             </a:r>
             <a:endParaRPr lang="ko-KR" altLang="en-US" spc="-150" dirty="0">
               <a:latin typeface="나눔명조" panose="02020603020101020101" charset="-127"/>
@@ -8187,25 +8159,11 @@
           <a:p>
             <a:pPr lvl="0"/>
             <a:r>
-              <a:rPr lang="ko-KR" altLang="en-US" dirty="0" err="1" smtClean="0">
+              <a:rPr lang="en-US" altLang="ko-KR" dirty="0" smtClean="0">
                 <a:latin typeface="나눔명조" panose="02020603020101020101" charset="-127"/>
                 <a:ea typeface="나눔명조" panose="02020603020101020101" charset="-127"/>
               </a:rPr>
-              <a:t>마스터포</a:t>
-            </a:r>
-            <a:r>
-              <a:rPr lang="ko-KR" altLang="en-US" dirty="0" err="1">
-                <a:latin typeface="나눔명조" panose="02020603020101020101" charset="-127"/>
-                <a:ea typeface="나눔명조" panose="02020603020101020101" charset="-127"/>
-              </a:rPr>
-              <a:t>맷</a:t>
-            </a:r>
-            <a:r>
-              <a:rPr lang="ko-KR" altLang="en-US" dirty="0" smtClean="0">
-                <a:latin typeface="나눔명조" panose="02020603020101020101" charset="-127"/>
-                <a:ea typeface="나눔명조" panose="02020603020101020101" charset="-127"/>
-              </a:rPr>
-              <a:t> 구축</a:t>
+              <a:t>TF</a:t>
             </a:r>
             <a:endParaRPr lang="ko-KR" altLang="en-US" spc="-150" dirty="0">
               <a:latin typeface="나눔명조" panose="02020603020101020101" charset="-127"/>
@@ -8760,7 +8718,7 @@
                 <a:latin typeface="나눔명조" panose="02020603020101020101" charset="-127"/>
                 <a:ea typeface="나눔명조" panose="02020603020101020101" charset="-127"/>
               </a:rPr>
-              <a:t>Step1</a:t>
+              <a:t>Step2</a:t>
             </a:r>
             <a:endParaRPr lang="en-US" altLang="ko-KR" sz="1400" dirty="0">
               <a:solidFill>
@@ -8798,25 +8756,11 @@
           <a:p>
             <a:pPr lvl="0"/>
             <a:r>
-              <a:rPr lang="ko-KR" altLang="en-US" dirty="0" err="1" smtClean="0">
+              <a:rPr lang="en-US" altLang="ko-KR" dirty="0" smtClean="0">
                 <a:latin typeface="나눔명조" panose="02020603020101020101" charset="-127"/>
                 <a:ea typeface="나눔명조" panose="02020603020101020101" charset="-127"/>
               </a:rPr>
-              <a:t>마스터포</a:t>
-            </a:r>
-            <a:r>
-              <a:rPr lang="ko-KR" altLang="en-US" dirty="0" err="1">
-                <a:latin typeface="나눔명조" panose="02020603020101020101" charset="-127"/>
-                <a:ea typeface="나눔명조" panose="02020603020101020101" charset="-127"/>
-              </a:rPr>
-              <a:t>맷</a:t>
-            </a:r>
-            <a:r>
-              <a:rPr lang="ko-KR" altLang="en-US" dirty="0" smtClean="0">
-                <a:latin typeface="나눔명조" panose="02020603020101020101" charset="-127"/>
-                <a:ea typeface="나눔명조" panose="02020603020101020101" charset="-127"/>
-              </a:rPr>
-              <a:t> 구축</a:t>
+              <a:t>TF-IDF</a:t>
             </a:r>
             <a:endParaRPr lang="ko-KR" altLang="en-US" spc="-150" dirty="0">
               <a:latin typeface="나눔명조" panose="02020603020101020101" charset="-127"/>
@@ -9098,7 +9042,14 @@
           <a:prstGeom prst="line">
             <a:avLst/>
           </a:prstGeom>
-          <a:ln w="38100"/>
+          <a:ln w="38100">
+            <a:solidFill>
+              <a:schemeClr val="tx1">
+                <a:lumMod val="65000"/>
+                <a:lumOff val="35000"/>
+              </a:schemeClr>
+            </a:solidFill>
+          </a:ln>
         </p:spPr>
         <p:style>
           <a:lnRef idx="1">
@@ -9263,7 +9214,7 @@
                 <a:latin typeface="나눔명조" panose="02020603020101020101" charset="-127"/>
                 <a:ea typeface="나눔명조" panose="02020603020101020101" charset="-127"/>
               </a:rPr>
-              <a:t>Step1</a:t>
+              <a:t>Step2</a:t>
             </a:r>
             <a:endParaRPr lang="en-US" altLang="ko-KR" sz="1400" dirty="0">
               <a:solidFill>
@@ -9301,25 +9252,11 @@
           <a:p>
             <a:pPr lvl="0"/>
             <a:r>
-              <a:rPr lang="ko-KR" altLang="en-US" dirty="0" err="1" smtClean="0">
+              <a:rPr lang="en-US" altLang="ko-KR" dirty="0" smtClean="0">
                 <a:latin typeface="나눔명조" panose="02020603020101020101" charset="-127"/>
                 <a:ea typeface="나눔명조" panose="02020603020101020101" charset="-127"/>
               </a:rPr>
-              <a:t>마스터포</a:t>
-            </a:r>
-            <a:r>
-              <a:rPr lang="ko-KR" altLang="en-US" dirty="0" err="1">
-                <a:latin typeface="나눔명조" panose="02020603020101020101" charset="-127"/>
-                <a:ea typeface="나눔명조" panose="02020603020101020101" charset="-127"/>
-              </a:rPr>
-              <a:t>맷</a:t>
-            </a:r>
-            <a:r>
-              <a:rPr lang="ko-KR" altLang="en-US" dirty="0" smtClean="0">
-                <a:latin typeface="나눔명조" panose="02020603020101020101" charset="-127"/>
-                <a:ea typeface="나눔명조" panose="02020603020101020101" charset="-127"/>
-              </a:rPr>
-              <a:t> 구축</a:t>
+              <a:t>TF-IDF</a:t>
             </a:r>
             <a:endParaRPr lang="ko-KR" altLang="en-US" spc="-150" dirty="0">
               <a:latin typeface="나눔명조" panose="02020603020101020101" charset="-127"/>
@@ -9867,7 +9804,7 @@
                 <a:latin typeface="나눔명조" panose="02020603020101020101" charset="-127"/>
                 <a:ea typeface="나눔명조" panose="02020603020101020101" charset="-127"/>
               </a:rPr>
-              <a:t>Step2</a:t>
+              <a:t>Step3</a:t>
             </a:r>
             <a:endParaRPr lang="en-US" altLang="ko-KR" sz="1400" dirty="0">
               <a:solidFill>
@@ -9916,14 +9853,14 @@
                 <a:latin typeface="나눔명조" panose="02020603020101020101" charset="-127"/>
                 <a:ea typeface="나눔명조" panose="02020603020101020101" charset="-127"/>
               </a:rPr>
-              <a:t> format </a:t>
-            </a:r>
-            <a:r>
-              <a:rPr lang="ko-KR" altLang="en-US" dirty="0">
+              <a:t> </a:t>
+            </a:r>
+            <a:r>
+              <a:rPr lang="en-US" altLang="ko-KR" dirty="0" smtClean="0">
                 <a:latin typeface="나눔명조" panose="02020603020101020101" charset="-127"/>
                 <a:ea typeface="나눔명조" panose="02020603020101020101" charset="-127"/>
               </a:rPr>
-              <a:t>구축</a:t>
+              <a:t>format</a:t>
             </a:r>
             <a:endParaRPr lang="ko-KR" altLang="en-US" dirty="0"/>
           </a:p>
@@ -11377,24 +11314,14 @@
           <a:p>
             <a:pPr algn="ctr"/>
             <a:r>
-              <a:rPr lang="ko-KR" altLang="en-US" sz="1000" b="1" smtClean="0">
+              <a:rPr lang="en-US" altLang="ko-KR" sz="1000" b="1" dirty="0" smtClean="0">
                 <a:solidFill>
                   <a:schemeClr val="bg1"/>
                 </a:solidFill>
                 <a:latin typeface="나눔명조" panose="02020603020101020101" charset="-127"/>
                 <a:ea typeface="나눔명조" panose="02020603020101020101" charset="-127"/>
               </a:rPr>
-              <a:t>형태소분석기를 이용한 </a:t>
-            </a:r>
-            <a:r>
-              <a:rPr lang="ko-KR" altLang="en-US" sz="1000" b="1" dirty="0" err="1" smtClean="0">
-                <a:solidFill>
-                  <a:schemeClr val="bg1"/>
-                </a:solidFill>
-                <a:latin typeface="나눔명조" panose="02020603020101020101" charset="-127"/>
-                <a:ea typeface="나눔명조" panose="02020603020101020101" charset="-127"/>
-              </a:rPr>
-              <a:t>사전구축</a:t>
+              <a:t>SVM FORMAT</a:t>
             </a:r>
             <a:endParaRPr lang="ko-KR" altLang="en-US" sz="1000" b="1" dirty="0">
               <a:solidFill>
